--- a/hw2/hw2_answer/draw.pptx
+++ b/hw2/hw2_answer/draw.pptx
@@ -104,6 +104,11 @@
       </a:defRPr>
     </a:lvl9pPr>
   </p:defaultTextStyle>
+  <p:extLst>
+    <p:ext uri="{EFAFB233-063F-42B5-8137-9DF3F51BA10A}">
+      <p15:sldGuideLst xmlns:p15="http://schemas.microsoft.com/office/powerpoint/2012/main"/>
+    </p:ext>
+  </p:extLst>
 </p:presentation>
 </file>
 
@@ -238,7 +243,7 @@
           <a:p>
             <a:fld id="{CFCBAF4C-148C-E249-B8F7-A387F7930C1F}" type="datetimeFigureOut">
               <a:rPr lang="en-US" smtClean="0"/>
-              <a:t>1/30/18</a:t>
+              <a:t>2/6/18</a:t>
             </a:fld>
             <a:endParaRPr lang="en-US"/>
           </a:p>
@@ -408,7 +413,7 @@
           <a:p>
             <a:fld id="{CFCBAF4C-148C-E249-B8F7-A387F7930C1F}" type="datetimeFigureOut">
               <a:rPr lang="en-US" smtClean="0"/>
-              <a:t>1/30/18</a:t>
+              <a:t>2/6/18</a:t>
             </a:fld>
             <a:endParaRPr lang="en-US"/>
           </a:p>
@@ -588,7 +593,7 @@
           <a:p>
             <a:fld id="{CFCBAF4C-148C-E249-B8F7-A387F7930C1F}" type="datetimeFigureOut">
               <a:rPr lang="en-US" smtClean="0"/>
-              <a:t>1/30/18</a:t>
+              <a:t>2/6/18</a:t>
             </a:fld>
             <a:endParaRPr lang="en-US"/>
           </a:p>
@@ -758,7 +763,7 @@
           <a:p>
             <a:fld id="{CFCBAF4C-148C-E249-B8F7-A387F7930C1F}" type="datetimeFigureOut">
               <a:rPr lang="en-US" smtClean="0"/>
-              <a:t>1/30/18</a:t>
+              <a:t>2/6/18</a:t>
             </a:fld>
             <a:endParaRPr lang="en-US"/>
           </a:p>
@@ -1004,7 +1009,7 @@
           <a:p>
             <a:fld id="{CFCBAF4C-148C-E249-B8F7-A387F7930C1F}" type="datetimeFigureOut">
               <a:rPr lang="en-US" smtClean="0"/>
-              <a:t>1/30/18</a:t>
+              <a:t>2/6/18</a:t>
             </a:fld>
             <a:endParaRPr lang="en-US"/>
           </a:p>
@@ -1236,7 +1241,7 @@
           <a:p>
             <a:fld id="{CFCBAF4C-148C-E249-B8F7-A387F7930C1F}" type="datetimeFigureOut">
               <a:rPr lang="en-US" smtClean="0"/>
-              <a:t>1/30/18</a:t>
+              <a:t>2/6/18</a:t>
             </a:fld>
             <a:endParaRPr lang="en-US"/>
           </a:p>
@@ -1603,7 +1608,7 @@
           <a:p>
             <a:fld id="{CFCBAF4C-148C-E249-B8F7-A387F7930C1F}" type="datetimeFigureOut">
               <a:rPr lang="en-US" smtClean="0"/>
-              <a:t>1/30/18</a:t>
+              <a:t>2/6/18</a:t>
             </a:fld>
             <a:endParaRPr lang="en-US"/>
           </a:p>
@@ -1721,7 +1726,7 @@
           <a:p>
             <a:fld id="{CFCBAF4C-148C-E249-B8F7-A387F7930C1F}" type="datetimeFigureOut">
               <a:rPr lang="en-US" smtClean="0"/>
-              <a:t>1/30/18</a:t>
+              <a:t>2/6/18</a:t>
             </a:fld>
             <a:endParaRPr lang="en-US"/>
           </a:p>
@@ -1816,7 +1821,7 @@
           <a:p>
             <a:fld id="{CFCBAF4C-148C-E249-B8F7-A387F7930C1F}" type="datetimeFigureOut">
               <a:rPr lang="en-US" smtClean="0"/>
-              <a:t>1/30/18</a:t>
+              <a:t>2/6/18</a:t>
             </a:fld>
             <a:endParaRPr lang="en-US"/>
           </a:p>
@@ -2093,7 +2098,7 @@
           <a:p>
             <a:fld id="{CFCBAF4C-148C-E249-B8F7-A387F7930C1F}" type="datetimeFigureOut">
               <a:rPr lang="en-US" smtClean="0"/>
-              <a:t>1/30/18</a:t>
+              <a:t>2/6/18</a:t>
             </a:fld>
             <a:endParaRPr lang="en-US"/>
           </a:p>
@@ -2346,7 +2351,7 @@
           <a:p>
             <a:fld id="{CFCBAF4C-148C-E249-B8F7-A387F7930C1F}" type="datetimeFigureOut">
               <a:rPr lang="en-US" smtClean="0"/>
-              <a:t>1/30/18</a:t>
+              <a:t>2/6/18</a:t>
             </a:fld>
             <a:endParaRPr lang="en-US"/>
           </a:p>
@@ -2559,7 +2564,7 @@
           <a:p>
             <a:fld id="{CFCBAF4C-148C-E249-B8F7-A387F7930C1F}" type="datetimeFigureOut">
               <a:rPr lang="en-US" smtClean="0"/>
-              <a:t>1/30/18</a:t>
+              <a:t>2/6/18</a:t>
             </a:fld>
             <a:endParaRPr lang="en-US"/>
           </a:p>
@@ -3256,8 +3261,37 @@
                     <a:schemeClr val="tx1"/>
                   </a:solidFill>
                 </a:rPr>
-                <a:t> = 0.396</a:t>
+                <a:t> </a:t>
               </a:r>
+              <a:r>
+                <a:rPr lang="en-US" smtClean="0">
+                  <a:solidFill>
+                    <a:schemeClr val="tx1"/>
+                  </a:solidFill>
+                </a:rPr>
+                <a:t>= </a:t>
+              </a:r>
+              <a:r>
+                <a:rPr lang="en-US" smtClean="0">
+                  <a:solidFill>
+                    <a:schemeClr val="tx1"/>
+                  </a:solidFill>
+                </a:rPr>
+                <a:t>0.3</a:t>
+              </a:r>
+              <a:r>
+                <a:rPr lang="en-US" altLang="zh-CN" smtClean="0">
+                  <a:solidFill>
+                    <a:schemeClr val="tx1"/>
+                  </a:solidFill>
+                </a:rPr>
+                <a:t>81</a:t>
+              </a:r>
+              <a:endParaRPr lang="en-US" dirty="0" smtClean="0">
+                <a:solidFill>
+                  <a:schemeClr val="tx1"/>
+                </a:solidFill>
+              </a:endParaRPr>
             </a:p>
             <a:p>
               <a:pPr algn="ctr"/>

--- a/hw2/hw2_answer/draw.pptx
+++ b/hw2/hw2_answer/draw.pptx
@@ -5,7 +5,8 @@
     <p:sldMasterId id="2147483648" r:id="rId1"/>
   </p:sldMasterIdLst>
   <p:sldIdLst>
-    <p:sldId id="256" r:id="rId2"/>
+    <p:sldId id="257" r:id="rId2"/>
+    <p:sldId id="256" r:id="rId3"/>
   </p:sldIdLst>
   <p:sldSz cx="12192000" cy="6858000"/>
   <p:notesSz cx="6858000" cy="9144000"/>
@@ -243,7 +244,7 @@
           <a:p>
             <a:fld id="{CFCBAF4C-148C-E249-B8F7-A387F7930C1F}" type="datetimeFigureOut">
               <a:rPr lang="en-US" smtClean="0"/>
-              <a:t>2/6/18</a:t>
+              <a:t>2/7/18</a:t>
             </a:fld>
             <a:endParaRPr lang="en-US"/>
           </a:p>
@@ -413,7 +414,7 @@
           <a:p>
             <a:fld id="{CFCBAF4C-148C-E249-B8F7-A387F7930C1F}" type="datetimeFigureOut">
               <a:rPr lang="en-US" smtClean="0"/>
-              <a:t>2/6/18</a:t>
+              <a:t>2/7/18</a:t>
             </a:fld>
             <a:endParaRPr lang="en-US"/>
           </a:p>
@@ -593,7 +594,7 @@
           <a:p>
             <a:fld id="{CFCBAF4C-148C-E249-B8F7-A387F7930C1F}" type="datetimeFigureOut">
               <a:rPr lang="en-US" smtClean="0"/>
-              <a:t>2/6/18</a:t>
+              <a:t>2/7/18</a:t>
             </a:fld>
             <a:endParaRPr lang="en-US"/>
           </a:p>
@@ -763,7 +764,7 @@
           <a:p>
             <a:fld id="{CFCBAF4C-148C-E249-B8F7-A387F7930C1F}" type="datetimeFigureOut">
               <a:rPr lang="en-US" smtClean="0"/>
-              <a:t>2/6/18</a:t>
+              <a:t>2/7/18</a:t>
             </a:fld>
             <a:endParaRPr lang="en-US"/>
           </a:p>
@@ -1009,7 +1010,7 @@
           <a:p>
             <a:fld id="{CFCBAF4C-148C-E249-B8F7-A387F7930C1F}" type="datetimeFigureOut">
               <a:rPr lang="en-US" smtClean="0"/>
-              <a:t>2/6/18</a:t>
+              <a:t>2/7/18</a:t>
             </a:fld>
             <a:endParaRPr lang="en-US"/>
           </a:p>
@@ -1241,7 +1242,7 @@
           <a:p>
             <a:fld id="{CFCBAF4C-148C-E249-B8F7-A387F7930C1F}" type="datetimeFigureOut">
               <a:rPr lang="en-US" smtClean="0"/>
-              <a:t>2/6/18</a:t>
+              <a:t>2/7/18</a:t>
             </a:fld>
             <a:endParaRPr lang="en-US"/>
           </a:p>
@@ -1608,7 +1609,7 @@
           <a:p>
             <a:fld id="{CFCBAF4C-148C-E249-B8F7-A387F7930C1F}" type="datetimeFigureOut">
               <a:rPr lang="en-US" smtClean="0"/>
-              <a:t>2/6/18</a:t>
+              <a:t>2/7/18</a:t>
             </a:fld>
             <a:endParaRPr lang="en-US"/>
           </a:p>
@@ -1726,7 +1727,7 @@
           <a:p>
             <a:fld id="{CFCBAF4C-148C-E249-B8F7-A387F7930C1F}" type="datetimeFigureOut">
               <a:rPr lang="en-US" smtClean="0"/>
-              <a:t>2/6/18</a:t>
+              <a:t>2/7/18</a:t>
             </a:fld>
             <a:endParaRPr lang="en-US"/>
           </a:p>
@@ -1821,7 +1822,7 @@
           <a:p>
             <a:fld id="{CFCBAF4C-148C-E249-B8F7-A387F7930C1F}" type="datetimeFigureOut">
               <a:rPr lang="en-US" smtClean="0"/>
-              <a:t>2/6/18</a:t>
+              <a:t>2/7/18</a:t>
             </a:fld>
             <a:endParaRPr lang="en-US"/>
           </a:p>
@@ -2098,7 +2099,7 @@
           <a:p>
             <a:fld id="{CFCBAF4C-148C-E249-B8F7-A387F7930C1F}" type="datetimeFigureOut">
               <a:rPr lang="en-US" smtClean="0"/>
-              <a:t>2/6/18</a:t>
+              <a:t>2/7/18</a:t>
             </a:fld>
             <a:endParaRPr lang="en-US"/>
           </a:p>
@@ -2351,7 +2352,7 @@
           <a:p>
             <a:fld id="{CFCBAF4C-148C-E249-B8F7-A387F7930C1F}" type="datetimeFigureOut">
               <a:rPr lang="en-US" smtClean="0"/>
-              <a:t>2/6/18</a:t>
+              <a:t>2/7/18</a:t>
             </a:fld>
             <a:endParaRPr lang="en-US"/>
           </a:p>
@@ -2564,7 +2565,7 @@
           <a:p>
             <a:fld id="{CFCBAF4C-148C-E249-B8F7-A387F7930C1F}" type="datetimeFigureOut">
               <a:rPr lang="en-US" smtClean="0"/>
-              <a:t>2/6/18</a:t>
+              <a:t>2/7/18</a:t>
             </a:fld>
             <a:endParaRPr lang="en-US"/>
           </a:p>
@@ -2971,6 +2972,641 @@
       </p:grpSpPr>
       <p:grpSp>
         <p:nvGrpSpPr>
+          <p:cNvPr id="19" name="Group 18"/>
+          <p:cNvGrpSpPr/>
+          <p:nvPr/>
+        </p:nvGrpSpPr>
+        <p:grpSpPr>
+          <a:xfrm>
+            <a:off x="1331495" y="721895"/>
+            <a:ext cx="8586535" cy="5145504"/>
+            <a:chOff x="116306" y="914400"/>
+            <a:chExt cx="8586535" cy="5145504"/>
+          </a:xfrm>
+        </p:grpSpPr>
+        <p:sp>
+          <p:nvSpPr>
+            <p:cNvPr id="2" name="Rectangle 1"/>
+            <p:cNvSpPr/>
+            <p:nvPr/>
+          </p:nvSpPr>
+          <p:spPr>
+            <a:xfrm>
+              <a:off x="1985211" y="914400"/>
+              <a:ext cx="2887578" cy="1287379"/>
+            </a:xfrm>
+            <a:prstGeom prst="rect">
+              <a:avLst/>
+            </a:prstGeom>
+            <a:noFill/>
+            <a:ln>
+              <a:solidFill>
+                <a:schemeClr val="tx1"/>
+              </a:solidFill>
+            </a:ln>
+          </p:spPr>
+          <p:style>
+            <a:lnRef idx="2">
+              <a:schemeClr val="accent1">
+                <a:shade val="50000"/>
+              </a:schemeClr>
+            </a:lnRef>
+            <a:fillRef idx="1">
+              <a:schemeClr val="accent1"/>
+            </a:fillRef>
+            <a:effectRef idx="0">
+              <a:schemeClr val="accent1"/>
+            </a:effectRef>
+            <a:fontRef idx="minor">
+              <a:schemeClr val="lt1"/>
+            </a:fontRef>
+          </p:style>
+          <p:txBody>
+            <a:bodyPr rtlCol="0" anchor="ctr"/>
+            <a:lstStyle/>
+            <a:p>
+              <a:pPr algn="ctr"/>
+              <a:r>
+                <a:rPr lang="en-US" altLang="zh-CN" smtClean="0">
+                  <a:solidFill>
+                    <a:schemeClr val="tx1"/>
+                  </a:solidFill>
+                </a:rPr>
+                <a:t>X1 &lt;= 0.5</a:t>
+              </a:r>
+              <a:endParaRPr lang="en-US">
+                <a:solidFill>
+                  <a:schemeClr val="tx1"/>
+                </a:solidFill>
+              </a:endParaRPr>
+            </a:p>
+          </p:txBody>
+        </p:sp>
+        <p:sp>
+          <p:nvSpPr>
+            <p:cNvPr id="3" name="Rectangle 2"/>
+            <p:cNvSpPr/>
+            <p:nvPr/>
+          </p:nvSpPr>
+          <p:spPr>
+            <a:xfrm>
+              <a:off x="116306" y="2919663"/>
+              <a:ext cx="2887578" cy="1287379"/>
+            </a:xfrm>
+            <a:prstGeom prst="rect">
+              <a:avLst/>
+            </a:prstGeom>
+            <a:noFill/>
+            <a:ln>
+              <a:solidFill>
+                <a:schemeClr val="tx1"/>
+              </a:solidFill>
+            </a:ln>
+          </p:spPr>
+          <p:style>
+            <a:lnRef idx="2">
+              <a:schemeClr val="accent1">
+                <a:shade val="50000"/>
+              </a:schemeClr>
+            </a:lnRef>
+            <a:fillRef idx="1">
+              <a:schemeClr val="accent1"/>
+            </a:fillRef>
+            <a:effectRef idx="0">
+              <a:schemeClr val="accent1"/>
+            </a:effectRef>
+            <a:fontRef idx="minor">
+              <a:schemeClr val="lt1"/>
+            </a:fontRef>
+          </p:style>
+          <p:txBody>
+            <a:bodyPr rtlCol="0" anchor="ctr"/>
+            <a:lstStyle/>
+            <a:p>
+              <a:pPr algn="ctr"/>
+              <a:r>
+                <a:rPr lang="en-US" dirty="0" err="1" smtClean="0">
+                  <a:solidFill>
+                    <a:schemeClr val="tx1"/>
+                  </a:solidFill>
+                </a:rPr>
+                <a:t>yhat</a:t>
+              </a:r>
+              <a:r>
+                <a:rPr lang="en-US" dirty="0" smtClean="0">
+                  <a:solidFill>
+                    <a:schemeClr val="tx1"/>
+                  </a:solidFill>
+                </a:rPr>
+                <a:t> = 1</a:t>
+              </a:r>
+              <a:endParaRPr lang="en-US" dirty="0">
+                <a:solidFill>
+                  <a:schemeClr val="tx1"/>
+                </a:solidFill>
+              </a:endParaRPr>
+            </a:p>
+          </p:txBody>
+        </p:sp>
+        <p:sp>
+          <p:nvSpPr>
+            <p:cNvPr id="4" name="Rectangle 3"/>
+            <p:cNvSpPr/>
+            <p:nvPr/>
+          </p:nvSpPr>
+          <p:spPr>
+            <a:xfrm>
+              <a:off x="3870159" y="2919663"/>
+              <a:ext cx="2887578" cy="1287379"/>
+            </a:xfrm>
+            <a:prstGeom prst="rect">
+              <a:avLst/>
+            </a:prstGeom>
+            <a:noFill/>
+            <a:ln>
+              <a:solidFill>
+                <a:schemeClr val="tx1"/>
+              </a:solidFill>
+            </a:ln>
+          </p:spPr>
+          <p:style>
+            <a:lnRef idx="2">
+              <a:schemeClr val="accent1">
+                <a:shade val="50000"/>
+              </a:schemeClr>
+            </a:lnRef>
+            <a:fillRef idx="1">
+              <a:schemeClr val="accent1"/>
+            </a:fillRef>
+            <a:effectRef idx="0">
+              <a:schemeClr val="accent1"/>
+            </a:effectRef>
+            <a:fontRef idx="minor">
+              <a:schemeClr val="lt1"/>
+            </a:fontRef>
+          </p:style>
+          <p:txBody>
+            <a:bodyPr rtlCol="0" anchor="ctr"/>
+            <a:lstStyle/>
+            <a:p>
+              <a:pPr algn="ctr"/>
+              <a:r>
+                <a:rPr lang="en-US" altLang="zh-CN" dirty="0" smtClean="0">
+                  <a:solidFill>
+                    <a:schemeClr val="tx1"/>
+                  </a:solidFill>
+                </a:rPr>
+                <a:t>X2 &lt;= 0.25</a:t>
+              </a:r>
+              <a:endParaRPr lang="en-US" dirty="0">
+                <a:solidFill>
+                  <a:schemeClr val="tx1"/>
+                </a:solidFill>
+              </a:endParaRPr>
+            </a:p>
+          </p:txBody>
+        </p:sp>
+        <p:sp>
+          <p:nvSpPr>
+            <p:cNvPr id="5" name="Rectangle 4"/>
+            <p:cNvSpPr/>
+            <p:nvPr/>
+          </p:nvSpPr>
+          <p:spPr>
+            <a:xfrm>
+              <a:off x="1704474" y="4772525"/>
+              <a:ext cx="2887578" cy="1287379"/>
+            </a:xfrm>
+            <a:prstGeom prst="rect">
+              <a:avLst/>
+            </a:prstGeom>
+            <a:noFill/>
+            <a:ln>
+              <a:solidFill>
+                <a:schemeClr val="tx1"/>
+              </a:solidFill>
+            </a:ln>
+          </p:spPr>
+          <p:style>
+            <a:lnRef idx="2">
+              <a:schemeClr val="accent1">
+                <a:shade val="50000"/>
+              </a:schemeClr>
+            </a:lnRef>
+            <a:fillRef idx="1">
+              <a:schemeClr val="accent1"/>
+            </a:fillRef>
+            <a:effectRef idx="0">
+              <a:schemeClr val="accent1"/>
+            </a:effectRef>
+            <a:fontRef idx="minor">
+              <a:schemeClr val="lt1"/>
+            </a:fontRef>
+          </p:style>
+          <p:txBody>
+            <a:bodyPr rtlCol="0" anchor="ctr"/>
+            <a:lstStyle/>
+            <a:p>
+              <a:pPr algn="ctr"/>
+              <a:r>
+                <a:rPr lang="en-US" altLang="zh-CN" dirty="0" err="1" smtClean="0">
+                  <a:solidFill>
+                    <a:schemeClr val="tx1"/>
+                  </a:solidFill>
+                </a:rPr>
+                <a:t>yhat</a:t>
+              </a:r>
+              <a:r>
+                <a:rPr lang="en-US" altLang="zh-CN" dirty="0" smtClean="0">
+                  <a:solidFill>
+                    <a:schemeClr val="tx1"/>
+                  </a:solidFill>
+                </a:rPr>
+                <a:t> = -1</a:t>
+              </a:r>
+              <a:endParaRPr lang="en-US" dirty="0">
+                <a:solidFill>
+                  <a:schemeClr val="tx1"/>
+                </a:solidFill>
+              </a:endParaRPr>
+            </a:p>
+          </p:txBody>
+        </p:sp>
+        <p:sp>
+          <p:nvSpPr>
+            <p:cNvPr id="6" name="Rectangle 5"/>
+            <p:cNvSpPr/>
+            <p:nvPr/>
+          </p:nvSpPr>
+          <p:spPr>
+            <a:xfrm>
+              <a:off x="5815263" y="4772525"/>
+              <a:ext cx="2887578" cy="1287379"/>
+            </a:xfrm>
+            <a:prstGeom prst="rect">
+              <a:avLst/>
+            </a:prstGeom>
+            <a:noFill/>
+            <a:ln>
+              <a:solidFill>
+                <a:schemeClr val="tx1"/>
+              </a:solidFill>
+            </a:ln>
+          </p:spPr>
+          <p:style>
+            <a:lnRef idx="2">
+              <a:schemeClr val="accent1">
+                <a:shade val="50000"/>
+              </a:schemeClr>
+            </a:lnRef>
+            <a:fillRef idx="1">
+              <a:schemeClr val="accent1"/>
+            </a:fillRef>
+            <a:effectRef idx="0">
+              <a:schemeClr val="accent1"/>
+            </a:effectRef>
+            <a:fontRef idx="minor">
+              <a:schemeClr val="lt1"/>
+            </a:fontRef>
+          </p:style>
+          <p:txBody>
+            <a:bodyPr rtlCol="0" anchor="ctr"/>
+            <a:lstStyle/>
+            <a:p>
+              <a:pPr algn="ctr"/>
+              <a:r>
+                <a:rPr lang="en-US" altLang="zh-CN" dirty="0" err="1" smtClean="0">
+                  <a:solidFill>
+                    <a:schemeClr val="tx1"/>
+                  </a:solidFill>
+                </a:rPr>
+                <a:t>yhat</a:t>
+              </a:r>
+              <a:r>
+                <a:rPr lang="en-US" altLang="zh-CN" dirty="0" smtClean="0">
+                  <a:solidFill>
+                    <a:schemeClr val="tx1"/>
+                  </a:solidFill>
+                </a:rPr>
+                <a:t> = 1</a:t>
+              </a:r>
+              <a:endParaRPr lang="en-US" dirty="0">
+                <a:solidFill>
+                  <a:schemeClr val="tx1"/>
+                </a:solidFill>
+              </a:endParaRPr>
+            </a:p>
+          </p:txBody>
+        </p:sp>
+        <p:cxnSp>
+          <p:nvCxnSpPr>
+            <p:cNvPr id="8" name="Straight Arrow Connector 7"/>
+            <p:cNvCxnSpPr>
+              <a:stCxn id="2" idx="2"/>
+              <a:endCxn id="3" idx="0"/>
+            </p:cNvCxnSpPr>
+            <p:nvPr/>
+          </p:nvCxnSpPr>
+          <p:spPr>
+            <a:xfrm flipH="1">
+              <a:off x="1560095" y="2201779"/>
+              <a:ext cx="1868905" cy="717884"/>
+            </a:xfrm>
+            <a:prstGeom prst="straightConnector1">
+              <a:avLst/>
+            </a:prstGeom>
+            <a:ln>
+              <a:solidFill>
+                <a:schemeClr val="tx1"/>
+              </a:solidFill>
+              <a:tailEnd type="triangle"/>
+            </a:ln>
+          </p:spPr>
+          <p:style>
+            <a:lnRef idx="1">
+              <a:schemeClr val="accent1"/>
+            </a:lnRef>
+            <a:fillRef idx="0">
+              <a:schemeClr val="accent1"/>
+            </a:fillRef>
+            <a:effectRef idx="0">
+              <a:schemeClr val="accent1"/>
+            </a:effectRef>
+            <a:fontRef idx="minor">
+              <a:schemeClr val="tx1"/>
+            </a:fontRef>
+          </p:style>
+        </p:cxnSp>
+        <p:cxnSp>
+          <p:nvCxnSpPr>
+            <p:cNvPr id="10" name="Straight Arrow Connector 9"/>
+            <p:cNvCxnSpPr>
+              <a:stCxn id="2" idx="2"/>
+              <a:endCxn id="4" idx="0"/>
+            </p:cNvCxnSpPr>
+            <p:nvPr/>
+          </p:nvCxnSpPr>
+          <p:spPr>
+            <a:xfrm>
+              <a:off x="3429000" y="2201779"/>
+              <a:ext cx="1884948" cy="717884"/>
+            </a:xfrm>
+            <a:prstGeom prst="straightConnector1">
+              <a:avLst/>
+            </a:prstGeom>
+            <a:ln>
+              <a:solidFill>
+                <a:schemeClr val="tx1"/>
+              </a:solidFill>
+              <a:tailEnd type="triangle"/>
+            </a:ln>
+          </p:spPr>
+          <p:style>
+            <a:lnRef idx="1">
+              <a:schemeClr val="accent1"/>
+            </a:lnRef>
+            <a:fillRef idx="0">
+              <a:schemeClr val="accent1"/>
+            </a:fillRef>
+            <a:effectRef idx="0">
+              <a:schemeClr val="accent1"/>
+            </a:effectRef>
+            <a:fontRef idx="minor">
+              <a:schemeClr val="tx1"/>
+            </a:fontRef>
+          </p:style>
+        </p:cxnSp>
+        <p:cxnSp>
+          <p:nvCxnSpPr>
+            <p:cNvPr id="12" name="Straight Arrow Connector 11"/>
+            <p:cNvCxnSpPr>
+              <a:stCxn id="4" idx="2"/>
+              <a:endCxn id="5" idx="0"/>
+            </p:cNvCxnSpPr>
+            <p:nvPr/>
+          </p:nvCxnSpPr>
+          <p:spPr>
+            <a:xfrm flipH="1">
+              <a:off x="3148263" y="4207042"/>
+              <a:ext cx="2165685" cy="565483"/>
+            </a:xfrm>
+            <a:prstGeom prst="straightConnector1">
+              <a:avLst/>
+            </a:prstGeom>
+            <a:ln>
+              <a:solidFill>
+                <a:schemeClr val="tx1"/>
+              </a:solidFill>
+              <a:tailEnd type="triangle"/>
+            </a:ln>
+          </p:spPr>
+          <p:style>
+            <a:lnRef idx="1">
+              <a:schemeClr val="accent1"/>
+            </a:lnRef>
+            <a:fillRef idx="0">
+              <a:schemeClr val="accent1"/>
+            </a:fillRef>
+            <a:effectRef idx="0">
+              <a:schemeClr val="accent1"/>
+            </a:effectRef>
+            <a:fontRef idx="minor">
+              <a:schemeClr val="tx1"/>
+            </a:fontRef>
+          </p:style>
+        </p:cxnSp>
+        <p:cxnSp>
+          <p:nvCxnSpPr>
+            <p:cNvPr id="14" name="Straight Arrow Connector 13"/>
+            <p:cNvCxnSpPr>
+              <a:stCxn id="4" idx="2"/>
+              <a:endCxn id="6" idx="0"/>
+            </p:cNvCxnSpPr>
+            <p:nvPr/>
+          </p:nvCxnSpPr>
+          <p:spPr>
+            <a:xfrm>
+              <a:off x="5313948" y="4207042"/>
+              <a:ext cx="1945104" cy="565483"/>
+            </a:xfrm>
+            <a:prstGeom prst="straightConnector1">
+              <a:avLst/>
+            </a:prstGeom>
+            <a:ln>
+              <a:solidFill>
+                <a:schemeClr val="tx1"/>
+              </a:solidFill>
+              <a:tailEnd type="triangle"/>
+            </a:ln>
+          </p:spPr>
+          <p:style>
+            <a:lnRef idx="1">
+              <a:schemeClr val="accent1"/>
+            </a:lnRef>
+            <a:fillRef idx="0">
+              <a:schemeClr val="accent1"/>
+            </a:fillRef>
+            <a:effectRef idx="0">
+              <a:schemeClr val="accent1"/>
+            </a:effectRef>
+            <a:fontRef idx="minor">
+              <a:schemeClr val="tx1"/>
+            </a:fontRef>
+          </p:style>
+        </p:cxnSp>
+        <p:sp>
+          <p:nvSpPr>
+            <p:cNvPr id="15" name="TextBox 14"/>
+            <p:cNvSpPr txBox="1"/>
+            <p:nvPr/>
+          </p:nvSpPr>
+          <p:spPr>
+            <a:xfrm>
+              <a:off x="1503949" y="2343971"/>
+              <a:ext cx="842210" cy="369332"/>
+            </a:xfrm>
+            <a:prstGeom prst="rect">
+              <a:avLst/>
+            </a:prstGeom>
+            <a:noFill/>
+          </p:spPr>
+          <p:txBody>
+            <a:bodyPr wrap="square" rtlCol="0">
+              <a:spAutoFit/>
+            </a:bodyPr>
+            <a:lstStyle/>
+            <a:p>
+              <a:r>
+                <a:rPr lang="en-US" smtClean="0"/>
+                <a:t>True</a:t>
+              </a:r>
+              <a:endParaRPr lang="en-US"/>
+            </a:p>
+          </p:txBody>
+        </p:sp>
+        <p:sp>
+          <p:nvSpPr>
+            <p:cNvPr id="16" name="TextBox 15"/>
+            <p:cNvSpPr txBox="1"/>
+            <p:nvPr/>
+          </p:nvSpPr>
+          <p:spPr>
+            <a:xfrm>
+              <a:off x="3553328" y="4233111"/>
+              <a:ext cx="842210" cy="369332"/>
+            </a:xfrm>
+            <a:prstGeom prst="rect">
+              <a:avLst/>
+            </a:prstGeom>
+            <a:noFill/>
+          </p:spPr>
+          <p:txBody>
+            <a:bodyPr wrap="square" rtlCol="0">
+              <a:spAutoFit/>
+            </a:bodyPr>
+            <a:lstStyle/>
+            <a:p>
+              <a:r>
+                <a:rPr lang="en-US" smtClean="0"/>
+                <a:t>True</a:t>
+              </a:r>
+              <a:endParaRPr lang="en-US"/>
+            </a:p>
+          </p:txBody>
+        </p:sp>
+        <p:sp>
+          <p:nvSpPr>
+            <p:cNvPr id="17" name="TextBox 16"/>
+            <p:cNvSpPr txBox="1"/>
+            <p:nvPr/>
+          </p:nvSpPr>
+          <p:spPr>
+            <a:xfrm>
+              <a:off x="4872789" y="2343971"/>
+              <a:ext cx="866275" cy="369332"/>
+            </a:xfrm>
+            <a:prstGeom prst="rect">
+              <a:avLst/>
+            </a:prstGeom>
+            <a:noFill/>
+          </p:spPr>
+          <p:txBody>
+            <a:bodyPr wrap="square" rtlCol="0">
+              <a:spAutoFit/>
+            </a:bodyPr>
+            <a:lstStyle/>
+            <a:p>
+              <a:r>
+                <a:rPr lang="en-US" dirty="0" smtClean="0"/>
+                <a:t>False</a:t>
+              </a:r>
+              <a:endParaRPr lang="en-US" dirty="0"/>
+            </a:p>
+          </p:txBody>
+        </p:sp>
+        <p:sp>
+          <p:nvSpPr>
+            <p:cNvPr id="18" name="TextBox 17"/>
+            <p:cNvSpPr txBox="1"/>
+            <p:nvPr/>
+          </p:nvSpPr>
+          <p:spPr>
+            <a:xfrm>
+              <a:off x="6681534" y="4296733"/>
+              <a:ext cx="866275" cy="369332"/>
+            </a:xfrm>
+            <a:prstGeom prst="rect">
+              <a:avLst/>
+            </a:prstGeom>
+            <a:noFill/>
+          </p:spPr>
+          <p:txBody>
+            <a:bodyPr wrap="square" rtlCol="0">
+              <a:spAutoFit/>
+            </a:bodyPr>
+            <a:lstStyle/>
+            <a:p>
+              <a:r>
+                <a:rPr lang="en-US" dirty="0" smtClean="0"/>
+                <a:t>False</a:t>
+              </a:r>
+              <a:endParaRPr lang="en-US" dirty="0"/>
+            </a:p>
+          </p:txBody>
+        </p:sp>
+      </p:grpSp>
+    </p:spTree>
+    <p:extLst>
+      <p:ext uri="{BB962C8B-B14F-4D97-AF65-F5344CB8AC3E}">
+        <p14:creationId xmlns:p14="http://schemas.microsoft.com/office/powerpoint/2010/main" val="2143250281"/>
+      </p:ext>
+    </p:extLst>
+  </p:cSld>
+  <p:clrMapOvr>
+    <a:masterClrMapping/>
+  </p:clrMapOvr>
+</p:sld>
+</file>
+
+<file path=ppt/slides/slide2.xml><?xml version="1.0" encoding="utf-8"?>
+<p:sld xmlns:a="http://schemas.openxmlformats.org/drawingml/2006/main" xmlns:r="http://schemas.openxmlformats.org/officeDocument/2006/relationships" xmlns:p="http://schemas.openxmlformats.org/presentationml/2006/main">
+  <p:cSld>
+    <p:spTree>
+      <p:nvGrpSpPr>
+        <p:cNvPr id="1" name=""/>
+        <p:cNvGrpSpPr/>
+        <p:nvPr/>
+      </p:nvGrpSpPr>
+      <p:grpSpPr>
+        <a:xfrm>
+          <a:off x="0" y="0"/>
+          <a:ext cx="0" cy="0"/>
+          <a:chOff x="0" y="0"/>
+          <a:chExt cx="0" cy="0"/>
+        </a:xfrm>
+      </p:grpSpPr>
+      <p:grpSp>
+        <p:nvGrpSpPr>
           <p:cNvPr id="14" name="Group 13"/>
           <p:cNvGrpSpPr/>
           <p:nvPr/>
@@ -3269,15 +3905,7 @@
                     <a:schemeClr val="tx1"/>
                   </a:solidFill>
                 </a:rPr>
-                <a:t>= </a:t>
-              </a:r>
-              <a:r>
-                <a:rPr lang="en-US" smtClean="0">
-                  <a:solidFill>
-                    <a:schemeClr val="tx1"/>
-                  </a:solidFill>
-                </a:rPr>
-                <a:t>0.3</a:t>
+                <a:t>= 0.3</a:t>
               </a:r>
               <a:r>
                 <a:rPr lang="en-US" altLang="zh-CN" smtClean="0">
